--- a/Sistemas operacionais/Aula 4/Sistemas operacionais - Software.pptx
+++ b/Sistemas operacionais/Aula 4/Sistemas operacionais - Software.pptx
@@ -5,10 +5,10 @@
     <p:sldMasterId id="2147483712" r:id="rId1"/>
   </p:sldMasterIdLst>
   <p:notesMasterIdLst>
-    <p:notesMasterId r:id="rId23"/>
+    <p:notesMasterId r:id="rId24"/>
   </p:notesMasterIdLst>
   <p:handoutMasterIdLst>
-    <p:handoutMasterId r:id="rId24"/>
+    <p:handoutMasterId r:id="rId25"/>
   </p:handoutMasterIdLst>
   <p:sldIdLst>
     <p:sldId id="257" r:id="rId2"/>
@@ -32,6 +32,7 @@
     <p:sldId id="275" r:id="rId20"/>
     <p:sldId id="276" r:id="rId21"/>
     <p:sldId id="277" r:id="rId22"/>
+    <p:sldId id="278" r:id="rId23"/>
   </p:sldIdLst>
   <p:sldSz cx="12192000" cy="6858000"/>
   <p:notesSz cx="6858000" cy="9144000"/>
@@ -225,7 +226,7 @@
             <a:pPr rtl="0"/>
             <a:fld id="{0ECB700D-7E1A-49E2-ABAD-092ACBACD43B}" type="datetime1">
               <a:rPr lang="pt-BR" smtClean="0"/>
-              <a:t>03/04/2024</a:t>
+              <a:t>15/04/2024</a:t>
             </a:fld>
             <a:endParaRPr lang="en-US" dirty="0"/>
           </a:p>
@@ -395,7 +396,7 @@
             <a:pPr rtl="0"/>
             <a:fld id="{F3E3353A-A592-44BD-B6AB-B98E47E0DF51}" type="datetime1">
               <a:rPr lang="pt-BR" smtClean="0"/>
-              <a:t>03/04/2024</a:t>
+              <a:t>15/04/2024</a:t>
             </a:fld>
             <a:endParaRPr lang="en-US"/>
           </a:p>
@@ -909,7 +910,7 @@
             <a:pPr rtl="0"/>
             <a:fld id="{00472D23-6933-4398-B088-86D87D4569A8}" type="datetime1">
               <a:rPr lang="pt-BR" smtClean="0"/>
-              <a:t>03/04/2024</a:t>
+              <a:t>15/04/2024</a:t>
             </a:fld>
             <a:endParaRPr lang="en-US" dirty="0"/>
           </a:p>
@@ -1116,7 +1117,7 @@
             <a:pPr rtl="0"/>
             <a:fld id="{C28CAC3A-C360-423D-8EE7-1FC8754818CB}" type="datetime1">
               <a:rPr lang="pt-BR" smtClean="0"/>
-              <a:t>03/04/2024</a:t>
+              <a:t>15/04/2024</a:t>
             </a:fld>
             <a:endParaRPr lang="en-US" dirty="0"/>
           </a:p>
@@ -1482,7 +1483,7 @@
             <a:pPr rtl="0"/>
             <a:fld id="{8BBA3C67-7F45-4D7A-B048-0542E838373B}" type="datetime1">
               <a:rPr lang="pt-BR" smtClean="0"/>
-              <a:t>03/04/2024</a:t>
+              <a:t>15/04/2024</a:t>
             </a:fld>
             <a:endParaRPr lang="en-US" dirty="0"/>
           </a:p>
@@ -1684,7 +1685,7 @@
             <a:pPr rtl="0"/>
             <a:fld id="{D6866A0C-EEE8-4DE1-9ECF-51EC9C0B8BE2}" type="datetime1">
               <a:rPr lang="pt-BR" smtClean="0"/>
-              <a:t>03/04/2024</a:t>
+              <a:t>15/04/2024</a:t>
             </a:fld>
             <a:endParaRPr lang="en-US" dirty="0"/>
           </a:p>
@@ -2000,7 +2001,7 @@
             <a:pPr rtl="0"/>
             <a:fld id="{C9F9B11C-AD18-4A04-821E-C5366FCA14C8}" type="datetime1">
               <a:rPr lang="pt-BR" smtClean="0"/>
-              <a:t>03/04/2024</a:t>
+              <a:t>15/04/2024</a:t>
             </a:fld>
             <a:endParaRPr lang="en-US" dirty="0"/>
           </a:p>
@@ -2257,7 +2258,7 @@
             <a:pPr rtl="0"/>
             <a:fld id="{B34586AC-0217-4567-B29B-23EE9A9222A5}" type="datetime1">
               <a:rPr lang="pt-BR" smtClean="0"/>
-              <a:t>03/04/2024</a:t>
+              <a:t>15/04/2024</a:t>
             </a:fld>
             <a:endParaRPr lang="en-US" dirty="0"/>
           </a:p>
@@ -2683,7 +2684,7 @@
             <a:pPr rtl="0"/>
             <a:fld id="{05EA9A4D-5B4A-4536-B4F3-3781F06B7402}" type="datetime1">
               <a:rPr lang="pt-BR" smtClean="0"/>
-              <a:t>03/04/2024</a:t>
+              <a:t>15/04/2024</a:t>
             </a:fld>
             <a:endParaRPr lang="en-US" dirty="0"/>
           </a:p>
@@ -2810,7 +2811,7 @@
             <a:pPr rtl="0"/>
             <a:fld id="{45D2EFA0-DD31-4334-BD97-CA68CA1EAF7D}" type="datetime1">
               <a:rPr lang="pt-BR" smtClean="0"/>
-              <a:t>03/04/2024</a:t>
+              <a:t>15/04/2024</a:t>
             </a:fld>
             <a:endParaRPr lang="en-US" dirty="0"/>
           </a:p>
@@ -2908,7 +2909,7 @@
             <a:pPr rtl="0"/>
             <a:fld id="{3422C804-0B7D-49A4-9AA4-17093ACFAE26}" type="datetime1">
               <a:rPr lang="pt-BR" smtClean="0"/>
-              <a:t>03/04/2024</a:t>
+              <a:t>15/04/2024</a:t>
             </a:fld>
             <a:endParaRPr lang="en-US" dirty="0"/>
           </a:p>
@@ -3289,7 +3290,7 @@
             <a:pPr rtl="0"/>
             <a:fld id="{F26C5998-667C-4083-8EAC-8B78C6E30EC5}" type="datetime1">
               <a:rPr lang="pt-BR" smtClean="0"/>
-              <a:t>03/04/2024</a:t>
+              <a:t>15/04/2024</a:t>
             </a:fld>
             <a:endParaRPr lang="en-US" dirty="0"/>
           </a:p>
@@ -3587,7 +3588,7 @@
             <a:pPr rtl="0"/>
             <a:fld id="{9CBC8F94-10C4-4E0E-B702-FA76FB225505}" type="datetime1">
               <a:rPr lang="pt-BR" smtClean="0"/>
-              <a:t>03/04/2024</a:t>
+              <a:t>15/04/2024</a:t>
             </a:fld>
             <a:endParaRPr lang="en-US" dirty="0"/>
           </a:p>
@@ -3805,7 +3806,7 @@
             <a:pPr rtl="0"/>
             <a:fld id="{ACCDFDDD-D174-442B-974C-2E7F8D4F71ED}" type="datetime1">
               <a:rPr lang="pt-BR" smtClean="0"/>
-              <a:t>03/04/2024</a:t>
+              <a:t>15/04/2024</a:t>
             </a:fld>
             <a:endParaRPr lang="en-US" dirty="0"/>
           </a:p>
@@ -5002,7 +5003,7 @@
             <a:pPr rtl="0"/>
             <a:fld id="{D6866A0C-EEE8-4DE1-9ECF-51EC9C0B8BE2}" type="datetime1">
               <a:rPr lang="pt-BR" smtClean="0"/>
-              <a:t>03/04/2024</a:t>
+              <a:t>15/04/2024</a:t>
             </a:fld>
             <a:endParaRPr lang="en-US" dirty="0"/>
           </a:p>
@@ -5145,7 +5146,7 @@
             <a:pPr rtl="0"/>
             <a:fld id="{D6866A0C-EEE8-4DE1-9ECF-51EC9C0B8BE2}" type="datetime1">
               <a:rPr lang="pt-BR" smtClean="0"/>
-              <a:t>03/04/2024</a:t>
+              <a:t>15/04/2024</a:t>
             </a:fld>
             <a:endParaRPr lang="en-US" dirty="0"/>
           </a:p>
@@ -5378,7 +5379,7 @@
             <a:pPr rtl="0"/>
             <a:fld id="{D6866A0C-EEE8-4DE1-9ECF-51EC9C0B8BE2}" type="datetime1">
               <a:rPr lang="pt-BR" smtClean="0"/>
-              <a:t>03/04/2024</a:t>
+              <a:t>15/04/2024</a:t>
             </a:fld>
             <a:endParaRPr lang="en-US" dirty="0"/>
           </a:p>
@@ -5519,7 +5520,7 @@
             <a:pPr rtl="0"/>
             <a:fld id="{D6866A0C-EEE8-4DE1-9ECF-51EC9C0B8BE2}" type="datetime1">
               <a:rPr lang="pt-BR" smtClean="0"/>
-              <a:t>03/04/2024</a:t>
+              <a:t>15/04/2024</a:t>
             </a:fld>
             <a:endParaRPr lang="en-US" dirty="0"/>
           </a:p>
@@ -5674,7 +5675,7 @@
             <a:pPr rtl="0"/>
             <a:fld id="{D6866A0C-EEE8-4DE1-9ECF-51EC9C0B8BE2}" type="datetime1">
               <a:rPr lang="pt-BR" smtClean="0"/>
-              <a:t>03/04/2024</a:t>
+              <a:t>15/04/2024</a:t>
             </a:fld>
             <a:endParaRPr lang="en-US" dirty="0"/>
           </a:p>
@@ -5790,7 +5791,7 @@
             <a:pPr rtl="0"/>
             <a:fld id="{D6866A0C-EEE8-4DE1-9ECF-51EC9C0B8BE2}" type="datetime1">
               <a:rPr lang="pt-BR" smtClean="0"/>
-              <a:t>03/04/2024</a:t>
+              <a:t>15/04/2024</a:t>
             </a:fld>
             <a:endParaRPr lang="en-US" dirty="0"/>
           </a:p>
@@ -5906,7 +5907,7 @@
             <a:pPr rtl="0"/>
             <a:fld id="{D6866A0C-EEE8-4DE1-9ECF-51EC9C0B8BE2}" type="datetime1">
               <a:rPr lang="pt-BR" smtClean="0"/>
-              <a:t>03/04/2024</a:t>
+              <a:t>15/04/2024</a:t>
             </a:fld>
             <a:endParaRPr lang="en-US" dirty="0"/>
           </a:p>
@@ -6165,7 +6166,7 @@
             <a:pPr rtl="0"/>
             <a:fld id="{D6866A0C-EEE8-4DE1-9ECF-51EC9C0B8BE2}" type="datetime1">
               <a:rPr lang="pt-BR" smtClean="0"/>
-              <a:t>03/04/2024</a:t>
+              <a:t>15/04/2024</a:t>
             </a:fld>
             <a:endParaRPr lang="en-US" dirty="0"/>
           </a:p>
@@ -6324,7 +6325,7 @@
             <a:pPr rtl="0"/>
             <a:fld id="{D6866A0C-EEE8-4DE1-9ECF-51EC9C0B8BE2}" type="datetime1">
               <a:rPr lang="pt-BR" smtClean="0"/>
-              <a:t>03/04/2024</a:t>
+              <a:t>15/04/2024</a:t>
             </a:fld>
             <a:endParaRPr lang="en-US" dirty="0"/>
           </a:p>
@@ -6459,7 +6460,7 @@
             <a:pPr rtl="0"/>
             <a:fld id="{D6866A0C-EEE8-4DE1-9ECF-51EC9C0B8BE2}" type="datetime1">
               <a:rPr lang="pt-BR" smtClean="0"/>
-              <a:t>03/04/2024</a:t>
+              <a:t>15/04/2024</a:t>
             </a:fld>
             <a:endParaRPr lang="en-US" dirty="0"/>
           </a:p>
@@ -6583,7 +6584,7 @@
             <a:pPr rtl="0"/>
             <a:fld id="{D6866A0C-EEE8-4DE1-9ECF-51EC9C0B8BE2}" type="datetime1">
               <a:rPr lang="pt-BR" smtClean="0"/>
-              <a:t>03/04/2024</a:t>
+              <a:t>15/04/2024</a:t>
             </a:fld>
             <a:endParaRPr lang="en-US" dirty="0"/>
           </a:p>
@@ -6713,7 +6714,7 @@
             <a:pPr rtl="0"/>
             <a:fld id="{D6866A0C-EEE8-4DE1-9ECF-51EC9C0B8BE2}" type="datetime1">
               <a:rPr lang="pt-BR" smtClean="0"/>
-              <a:t>03/04/2024</a:t>
+              <a:t>15/04/2024</a:t>
             </a:fld>
             <a:endParaRPr lang="en-US" dirty="0"/>
           </a:p>
@@ -6860,7 +6861,7 @@
             <a:pPr rtl="0"/>
             <a:fld id="{D6866A0C-EEE8-4DE1-9ECF-51EC9C0B8BE2}" type="datetime1">
               <a:rPr lang="pt-BR" smtClean="0"/>
-              <a:t>03/04/2024</a:t>
+              <a:t>15/04/2024</a:t>
             </a:fld>
             <a:endParaRPr lang="en-US" dirty="0"/>
           </a:p>
@@ -6870,6 +6871,119 @@
     <p:extLst>
       <p:ext uri="{BB962C8B-B14F-4D97-AF65-F5344CB8AC3E}">
         <p14:creationId xmlns:p14="http://schemas.microsoft.com/office/powerpoint/2010/main" val="2383749001"/>
+      </p:ext>
+    </p:extLst>
+  </p:cSld>
+  <p:clrMapOvr>
+    <a:masterClrMapping/>
+  </p:clrMapOvr>
+</p:sld>
+</file>
+
+<file path=ppt/slides/slide22.xml><?xml version="1.0" encoding="utf-8"?>
+<p:sld xmlns:a="http://schemas.openxmlformats.org/drawingml/2006/main" xmlns:r="http://schemas.openxmlformats.org/officeDocument/2006/relationships" xmlns:p="http://schemas.openxmlformats.org/presentationml/2006/main">
+  <p:cSld>
+    <p:spTree>
+      <p:nvGrpSpPr>
+        <p:cNvPr id="1" name=""/>
+        <p:cNvGrpSpPr/>
+        <p:nvPr/>
+      </p:nvGrpSpPr>
+      <p:grpSpPr>
+        <a:xfrm>
+          <a:off x="0" y="0"/>
+          <a:ext cx="0" cy="0"/>
+          <a:chOff x="0" y="0"/>
+          <a:chExt cx="0" cy="0"/>
+        </a:xfrm>
+      </p:grpSpPr>
+      <p:sp>
+        <p:nvSpPr>
+          <p:cNvPr id="2" name="Título 1">
+            <a:extLst>
+              <a:ext uri="{FF2B5EF4-FFF2-40B4-BE49-F238E27FC236}">
+                <a16:creationId xmlns:a16="http://schemas.microsoft.com/office/drawing/2014/main" id="{DC6DE2D5-ADAF-0B25-A2CA-A71369C4588E}"/>
+              </a:ext>
+            </a:extLst>
+          </p:cNvPr>
+          <p:cNvSpPr>
+            <a:spLocks noGrp="1"/>
+          </p:cNvSpPr>
+          <p:nvPr>
+            <p:ph type="title"/>
+          </p:nvPr>
+        </p:nvSpPr>
+        <p:spPr/>
+        <p:txBody>
+          <a:bodyPr/>
+          <a:lstStyle/>
+          <a:p>
+            <a:r>
+              <a:rPr lang="pt-BR" dirty="0"/>
+              <a:t>Normas e procedimentos técnicos relativos à instalação de sistemas operacionais</a:t>
+            </a:r>
+          </a:p>
+        </p:txBody>
+      </p:sp>
+      <p:sp>
+        <p:nvSpPr>
+          <p:cNvPr id="3" name="Espaço Reservado para Conteúdo 2">
+            <a:extLst>
+              <a:ext uri="{FF2B5EF4-FFF2-40B4-BE49-F238E27FC236}">
+                <a16:creationId xmlns:a16="http://schemas.microsoft.com/office/drawing/2014/main" id="{5DE356A1-C16E-30DF-63BC-322171400808}"/>
+              </a:ext>
+            </a:extLst>
+          </p:cNvPr>
+          <p:cNvSpPr>
+            <a:spLocks noGrp="1"/>
+          </p:cNvSpPr>
+          <p:nvPr>
+            <p:ph idx="1"/>
+          </p:nvPr>
+        </p:nvSpPr>
+        <p:spPr/>
+        <p:txBody>
+          <a:bodyPr/>
+          <a:lstStyle/>
+          <a:p>
+            <a:endParaRPr lang="pt-BR" dirty="0"/>
+          </a:p>
+        </p:txBody>
+      </p:sp>
+      <p:sp>
+        <p:nvSpPr>
+          <p:cNvPr id="4" name="Espaço Reservado para Data 3">
+            <a:extLst>
+              <a:ext uri="{FF2B5EF4-FFF2-40B4-BE49-F238E27FC236}">
+                <a16:creationId xmlns:a16="http://schemas.microsoft.com/office/drawing/2014/main" id="{5EF501CD-2D78-C828-F056-A3D37D913FA5}"/>
+              </a:ext>
+            </a:extLst>
+          </p:cNvPr>
+          <p:cNvSpPr>
+            <a:spLocks noGrp="1"/>
+          </p:cNvSpPr>
+          <p:nvPr>
+            <p:ph type="dt" sz="half" idx="10"/>
+          </p:nvPr>
+        </p:nvSpPr>
+        <p:spPr/>
+        <p:txBody>
+          <a:bodyPr/>
+          <a:lstStyle/>
+          <a:p>
+            <a:pPr rtl="0"/>
+            <a:fld id="{D6866A0C-EEE8-4DE1-9ECF-51EC9C0B8BE2}" type="datetime1">
+              <a:rPr lang="pt-BR" smtClean="0"/>
+              <a:t>15/04/2024</a:t>
+            </a:fld>
+            <a:endParaRPr lang="en-US" dirty="0"/>
+          </a:p>
+        </p:txBody>
+      </p:sp>
+    </p:spTree>
+    <p:extLst>
+      <p:ext uri="{BB962C8B-B14F-4D97-AF65-F5344CB8AC3E}">
+        <p14:creationId xmlns:p14="http://schemas.microsoft.com/office/powerpoint/2010/main" val="547439392"/>
       </p:ext>
     </p:extLst>
   </p:cSld>
@@ -6953,7 +7067,7 @@
             <a:pPr rtl="0"/>
             <a:fld id="{D6866A0C-EEE8-4DE1-9ECF-51EC9C0B8BE2}" type="datetime1">
               <a:rPr lang="pt-BR" smtClean="0"/>
-              <a:t>03/04/2024</a:t>
+              <a:t>15/04/2024</a:t>
             </a:fld>
             <a:endParaRPr lang="en-US" dirty="0"/>
           </a:p>
@@ -7155,7 +7269,7 @@
             <a:pPr rtl="0"/>
             <a:fld id="{D6866A0C-EEE8-4DE1-9ECF-51EC9C0B8BE2}" type="datetime1">
               <a:rPr lang="pt-BR" smtClean="0"/>
-              <a:t>03/04/2024</a:t>
+              <a:t>15/04/2024</a:t>
             </a:fld>
             <a:endParaRPr lang="en-US" dirty="0"/>
           </a:p>
@@ -7243,7 +7357,7 @@
             <a:pPr rtl="0"/>
             <a:fld id="{D6866A0C-EEE8-4DE1-9ECF-51EC9C0B8BE2}" type="datetime1">
               <a:rPr lang="pt-BR" smtClean="0"/>
-              <a:t>03/04/2024</a:t>
+              <a:t>15/04/2024</a:t>
             </a:fld>
             <a:endParaRPr lang="en-US" dirty="0"/>
           </a:p>
@@ -7427,7 +7541,7 @@
             <a:pPr rtl="0"/>
             <a:fld id="{D6866A0C-EEE8-4DE1-9ECF-51EC9C0B8BE2}" type="datetime1">
               <a:rPr lang="pt-BR" smtClean="0"/>
-              <a:t>03/04/2024</a:t>
+              <a:t>15/04/2024</a:t>
             </a:fld>
             <a:endParaRPr lang="en-US" dirty="0"/>
           </a:p>
@@ -7515,7 +7629,7 @@
             <a:pPr rtl="0"/>
             <a:fld id="{D6866A0C-EEE8-4DE1-9ECF-51EC9C0B8BE2}" type="datetime1">
               <a:rPr lang="pt-BR" smtClean="0"/>
-              <a:t>03/04/2024</a:t>
+              <a:t>15/04/2024</a:t>
             </a:fld>
             <a:endParaRPr lang="en-US" dirty="0"/>
           </a:p>
@@ -7695,7 +7809,7 @@
             <a:pPr rtl="0"/>
             <a:fld id="{D6866A0C-EEE8-4DE1-9ECF-51EC9C0B8BE2}" type="datetime1">
               <a:rPr lang="pt-BR" smtClean="0"/>
-              <a:t>03/04/2024</a:t>
+              <a:t>15/04/2024</a:t>
             </a:fld>
             <a:endParaRPr lang="en-US" dirty="0"/>
           </a:p>
@@ -7783,7 +7897,7 @@
             <a:pPr rtl="0"/>
             <a:fld id="{D6866A0C-EEE8-4DE1-9ECF-51EC9C0B8BE2}" type="datetime1">
               <a:rPr lang="pt-BR" smtClean="0"/>
-              <a:t>03/04/2024</a:t>
+              <a:t>15/04/2024</a:t>
             </a:fld>
             <a:endParaRPr lang="en-US" dirty="0"/>
           </a:p>
